--- a/2-1 Setting ChatBot Environment.pptx
+++ b/2-1 Setting ChatBot Environment.pptx
@@ -5921,7 +5921,7 @@
           <a:p>
             <a:fld id="{82604E9E-60DE-417E-849E-2CDE7F357628}" type="datetimeFigureOut">
               <a:rPr lang="en-US" smtClean="0"/>
-              <a:t>7/28/2017</a:t>
+              <a:t>8/1/2017</a:t>
             </a:fld>
             <a:endParaRPr lang="en-US"/>
           </a:p>
@@ -6797,7 +6797,7 @@
           <a:p>
             <a:fld id="{0D913C1F-5111-45C8-8646-4E60C4FCFD33}" type="datetime1">
               <a:rPr lang="en-US" smtClean="0"/>
-              <a:t>7/28/2017</a:t>
+              <a:t>8/1/2017</a:t>
             </a:fld>
             <a:endParaRPr lang="en-US"/>
           </a:p>
@@ -6972,7 +6972,7 @@
           <a:p>
             <a:fld id="{D3A57730-C926-45F0-9361-C8E6CC7EFAB1}" type="datetime1">
               <a:rPr lang="en-US" smtClean="0"/>
-              <a:t>7/28/2017</a:t>
+              <a:t>8/1/2017</a:t>
             </a:fld>
             <a:endParaRPr lang="en-US"/>
           </a:p>
@@ -7152,7 +7152,7 @@
           <a:p>
             <a:fld id="{72F94769-6EA4-484E-8E33-A5D2CCD7F3B4}" type="datetime1">
               <a:rPr lang="en-US" smtClean="0"/>
-              <a:t>7/28/2017</a:t>
+              <a:t>8/1/2017</a:t>
             </a:fld>
             <a:endParaRPr lang="en-US"/>
           </a:p>
@@ -7322,7 +7322,7 @@
           <a:p>
             <a:fld id="{875CDD8C-CF5A-4DB3-98F8-3A2639B39FE9}" type="datetime1">
               <a:rPr lang="en-US" smtClean="0"/>
-              <a:t>7/28/2017</a:t>
+              <a:t>8/1/2017</a:t>
             </a:fld>
             <a:endParaRPr lang="en-US"/>
           </a:p>
@@ -7590,7 +7590,7 @@
           <a:p>
             <a:fld id="{73567B6B-69B5-4721-8DDE-4EEC9B6DCE0D}" type="datetime1">
               <a:rPr lang="en-US" smtClean="0"/>
-              <a:t>7/28/2017</a:t>
+              <a:t>8/1/2017</a:t>
             </a:fld>
             <a:endParaRPr lang="en-US"/>
           </a:p>
@@ -7822,7 +7822,7 @@
           <a:p>
             <a:fld id="{98DD2B97-22CE-4922-9B75-1DD88489AFD6}" type="datetime1">
               <a:rPr lang="en-US" smtClean="0"/>
-              <a:t>7/28/2017</a:t>
+              <a:t>8/1/2017</a:t>
             </a:fld>
             <a:endParaRPr lang="en-US"/>
           </a:p>
@@ -8181,7 +8181,7 @@
           <a:p>
             <a:fld id="{71335CB9-B160-4C99-9B3C-64E62B2B8AA1}" type="datetime1">
               <a:rPr lang="en-US" smtClean="0"/>
-              <a:t>7/28/2017</a:t>
+              <a:t>8/1/2017</a:t>
             </a:fld>
             <a:endParaRPr lang="en-US"/>
           </a:p>
@@ -8322,7 +8322,7 @@
           <a:p>
             <a:fld id="{AB5FD2A9-980D-4792-8107-6837CF22CACC}" type="datetime1">
               <a:rPr lang="en-US" smtClean="0"/>
-              <a:t>7/28/2017</a:t>
+              <a:t>8/1/2017</a:t>
             </a:fld>
             <a:endParaRPr lang="en-US"/>
           </a:p>
@@ -8417,7 +8417,7 @@
           <a:p>
             <a:fld id="{AE49ADA3-5F6C-44F2-923F-B96DDB41268F}" type="datetime1">
               <a:rPr lang="en-US" smtClean="0"/>
-              <a:t>7/28/2017</a:t>
+              <a:t>8/1/2017</a:t>
             </a:fld>
             <a:endParaRPr lang="en-US"/>
           </a:p>
@@ -8774,7 +8774,7 @@
           <a:p>
             <a:fld id="{CD641920-CFA1-454E-AD47-3EEEB5605BD0}" type="datetime1">
               <a:rPr lang="en-US" smtClean="0"/>
-              <a:t>7/28/2017</a:t>
+              <a:t>8/1/2017</a:t>
             </a:fld>
             <a:endParaRPr lang="en-US"/>
           </a:p>
@@ -9131,7 +9131,7 @@
           <a:p>
             <a:fld id="{F3A5C466-8A77-4A43-A9E6-B875AC354BDD}" type="datetime1">
               <a:rPr lang="en-US" smtClean="0"/>
-              <a:t>7/28/2017</a:t>
+              <a:t>8/1/2017</a:t>
             </a:fld>
             <a:endParaRPr lang="en-US"/>
           </a:p>
@@ -9372,7 +9372,7 @@
           <a:p>
             <a:fld id="{8C1F079E-EE37-4F70-8A6F-71D0624FBE44}" type="datetime1">
               <a:rPr lang="en-US" smtClean="0"/>
-              <a:t>7/28/2017</a:t>
+              <a:t>8/1/2017</a:t>
             </a:fld>
             <a:endParaRPr lang="en-US"/>
           </a:p>
@@ -9857,11 +9857,15 @@
               <a:t>ChatBot</a:t>
             </a:r>
             <a:br>
-              <a:rPr lang="en-US" dirty="0"/>
+              <a:rPr lang="en-US"/>
             </a:br>
             <a:r>
+              <a:rPr lang="en-US"/>
+              <a:t>2-1 </a:t>
+            </a:r>
+            <a:r>
               <a:rPr lang="en-US" dirty="0"/>
-              <a:t>1-2 Setting Environment</a:t>
+              <a:t>Setting Environment</a:t>
             </a:r>
           </a:p>
         </p:txBody>

--- a/2-1 Setting ChatBot Environment.pptx
+++ b/2-1 Setting ChatBot Environment.pptx
@@ -5,7 +5,7 @@
     <p:sldMasterId id="2147483660" r:id="rId1"/>
   </p:sldMasterIdLst>
   <p:notesMasterIdLst>
-    <p:notesMasterId r:id="rId7"/>
+    <p:notesMasterId r:id="rId8"/>
   </p:notesMasterIdLst>
   <p:sldIdLst>
     <p:sldId id="256" r:id="rId2"/>
@@ -13,6 +13,7 @@
     <p:sldId id="258" r:id="rId4"/>
     <p:sldId id="260" r:id="rId5"/>
     <p:sldId id="262" r:id="rId6"/>
+    <p:sldId id="263" r:id="rId7"/>
   </p:sldIdLst>
   <p:sldSz cx="12192000" cy="6858000"/>
   <p:notesSz cx="6858000" cy="9144000"/>
@@ -5921,7 +5922,7 @@
           <a:p>
             <a:fld id="{82604E9E-60DE-417E-849E-2CDE7F357628}" type="datetimeFigureOut">
               <a:rPr lang="en-US" smtClean="0"/>
-              <a:t>8/1/2017</a:t>
+              <a:t>8/2/2017</a:t>
             </a:fld>
             <a:endParaRPr lang="en-US"/>
           </a:p>
@@ -6797,7 +6798,7 @@
           <a:p>
             <a:fld id="{0D913C1F-5111-45C8-8646-4E60C4FCFD33}" type="datetime1">
               <a:rPr lang="en-US" smtClean="0"/>
-              <a:t>8/1/2017</a:t>
+              <a:t>8/2/2017</a:t>
             </a:fld>
             <a:endParaRPr lang="en-US"/>
           </a:p>
@@ -6972,7 +6973,7 @@
           <a:p>
             <a:fld id="{D3A57730-C926-45F0-9361-C8E6CC7EFAB1}" type="datetime1">
               <a:rPr lang="en-US" smtClean="0"/>
-              <a:t>8/1/2017</a:t>
+              <a:t>8/2/2017</a:t>
             </a:fld>
             <a:endParaRPr lang="en-US"/>
           </a:p>
@@ -7152,7 +7153,7 @@
           <a:p>
             <a:fld id="{72F94769-6EA4-484E-8E33-A5D2CCD7F3B4}" type="datetime1">
               <a:rPr lang="en-US" smtClean="0"/>
-              <a:t>8/1/2017</a:t>
+              <a:t>8/2/2017</a:t>
             </a:fld>
             <a:endParaRPr lang="en-US"/>
           </a:p>
@@ -7322,7 +7323,7 @@
           <a:p>
             <a:fld id="{875CDD8C-CF5A-4DB3-98F8-3A2639B39FE9}" type="datetime1">
               <a:rPr lang="en-US" smtClean="0"/>
-              <a:t>8/1/2017</a:t>
+              <a:t>8/2/2017</a:t>
             </a:fld>
             <a:endParaRPr lang="en-US"/>
           </a:p>
@@ -7590,7 +7591,7 @@
           <a:p>
             <a:fld id="{73567B6B-69B5-4721-8DDE-4EEC9B6DCE0D}" type="datetime1">
               <a:rPr lang="en-US" smtClean="0"/>
-              <a:t>8/1/2017</a:t>
+              <a:t>8/2/2017</a:t>
             </a:fld>
             <a:endParaRPr lang="en-US"/>
           </a:p>
@@ -7822,7 +7823,7 @@
           <a:p>
             <a:fld id="{98DD2B97-22CE-4922-9B75-1DD88489AFD6}" type="datetime1">
               <a:rPr lang="en-US" smtClean="0"/>
-              <a:t>8/1/2017</a:t>
+              <a:t>8/2/2017</a:t>
             </a:fld>
             <a:endParaRPr lang="en-US"/>
           </a:p>
@@ -8181,7 +8182,7 @@
           <a:p>
             <a:fld id="{71335CB9-B160-4C99-9B3C-64E62B2B8AA1}" type="datetime1">
               <a:rPr lang="en-US" smtClean="0"/>
-              <a:t>8/1/2017</a:t>
+              <a:t>8/2/2017</a:t>
             </a:fld>
             <a:endParaRPr lang="en-US"/>
           </a:p>
@@ -8322,7 +8323,7 @@
           <a:p>
             <a:fld id="{AB5FD2A9-980D-4792-8107-6837CF22CACC}" type="datetime1">
               <a:rPr lang="en-US" smtClean="0"/>
-              <a:t>8/1/2017</a:t>
+              <a:t>8/2/2017</a:t>
             </a:fld>
             <a:endParaRPr lang="en-US"/>
           </a:p>
@@ -8417,7 +8418,7 @@
           <a:p>
             <a:fld id="{AE49ADA3-5F6C-44F2-923F-B96DDB41268F}" type="datetime1">
               <a:rPr lang="en-US" smtClean="0"/>
-              <a:t>8/1/2017</a:t>
+              <a:t>8/2/2017</a:t>
             </a:fld>
             <a:endParaRPr lang="en-US"/>
           </a:p>
@@ -8774,7 +8775,7 @@
           <a:p>
             <a:fld id="{CD641920-CFA1-454E-AD47-3EEEB5605BD0}" type="datetime1">
               <a:rPr lang="en-US" smtClean="0"/>
-              <a:t>8/1/2017</a:t>
+              <a:t>8/2/2017</a:t>
             </a:fld>
             <a:endParaRPr lang="en-US"/>
           </a:p>
@@ -9131,7 +9132,7 @@
           <a:p>
             <a:fld id="{F3A5C466-8A77-4A43-A9E6-B875AC354BDD}" type="datetime1">
               <a:rPr lang="en-US" smtClean="0"/>
-              <a:t>8/1/2017</a:t>
+              <a:t>8/2/2017</a:t>
             </a:fld>
             <a:endParaRPr lang="en-US"/>
           </a:p>
@@ -9372,7 +9373,7 @@
           <a:p>
             <a:fld id="{8C1F079E-EE37-4F70-8A6F-71D0624FBE44}" type="datetime1">
               <a:rPr lang="en-US" smtClean="0"/>
-              <a:t>8/1/2017</a:t>
+              <a:t>8/2/2017</a:t>
             </a:fld>
             <a:endParaRPr lang="en-US"/>
           </a:p>
@@ -11799,6 +11800,103 @@
 </p:sld>
 </file>
 
+<file path=ppt/slides/slide6.xml><?xml version="1.0" encoding="utf-8"?>
+<p:sld xmlns:a="http://schemas.openxmlformats.org/drawingml/2006/main" xmlns:r="http://schemas.openxmlformats.org/officeDocument/2006/relationships" xmlns:p="http://schemas.openxmlformats.org/presentationml/2006/main">
+  <p:cSld>
+    <p:spTree>
+      <p:nvGrpSpPr>
+        <p:cNvPr id="1" name=""/>
+        <p:cNvGrpSpPr/>
+        <p:nvPr/>
+      </p:nvGrpSpPr>
+      <p:grpSpPr>
+        <a:xfrm>
+          <a:off x="0" y="0"/>
+          <a:ext cx="0" cy="0"/>
+          <a:chOff x="0" y="0"/>
+          <a:chExt cx="0" cy="0"/>
+        </a:xfrm>
+      </p:grpSpPr>
+      <p:sp>
+        <p:nvSpPr>
+          <p:cNvPr id="3" name="내용 개체 틀 2">
+            <a:extLst>
+              <a:ext uri="{FF2B5EF4-FFF2-40B4-BE49-F238E27FC236}">
+                <a16:creationId xmlns:a16="http://schemas.microsoft.com/office/drawing/2014/main" id="{2855CC81-6481-4631-90A5-45C007C4B6C4}"/>
+              </a:ext>
+            </a:extLst>
+          </p:cNvPr>
+          <p:cNvSpPr>
+            <a:spLocks noGrp="1"/>
+          </p:cNvSpPr>
+          <p:nvPr>
+            <p:ph idx="1"/>
+          </p:nvPr>
+        </p:nvSpPr>
+        <p:spPr>
+          <a:xfrm>
+            <a:off x="372533" y="2638044"/>
+            <a:ext cx="9588331" cy="3101983"/>
+          </a:xfrm>
+        </p:spPr>
+        <p:txBody>
+          <a:bodyPr>
+            <a:normAutofit/>
+          </a:bodyPr>
+          <a:lstStyle/>
+          <a:p>
+            <a:pPr marL="0" indent="0">
+              <a:buNone/>
+            </a:pPr>
+            <a:r>
+              <a:rPr lang="en-US" sz="7200" dirty="0"/>
+              <a:t>pabcy.wordpress.com</a:t>
+            </a:r>
+          </a:p>
+        </p:txBody>
+      </p:sp>
+      <p:sp>
+        <p:nvSpPr>
+          <p:cNvPr id="4" name="슬라이드 번호 개체 틀 3">
+            <a:extLst>
+              <a:ext uri="{FF2B5EF4-FFF2-40B4-BE49-F238E27FC236}">
+                <a16:creationId xmlns:a16="http://schemas.microsoft.com/office/drawing/2014/main" id="{C92360F4-D5D1-4666-B72D-1DFA7184100F}"/>
+              </a:ext>
+            </a:extLst>
+          </p:cNvPr>
+          <p:cNvSpPr>
+            <a:spLocks noGrp="1"/>
+          </p:cNvSpPr>
+          <p:nvPr>
+            <p:ph type="sldNum" sz="quarter" idx="12"/>
+          </p:nvPr>
+        </p:nvSpPr>
+        <p:spPr/>
+        <p:txBody>
+          <a:bodyPr/>
+          <a:lstStyle/>
+          <a:p>
+            <a:fld id="{8B9A499C-E7AC-4E74-9635-A20519089A3A}" type="slidenum">
+              <a:rPr lang="en-US" smtClean="0"/>
+              <a:t>6</a:t>
+            </a:fld>
+            <a:endParaRPr lang="en-US"/>
+          </a:p>
+        </p:txBody>
+      </p:sp>
+    </p:spTree>
+    <p:extLst>
+      <p:ext uri="{BB962C8B-B14F-4D97-AF65-F5344CB8AC3E}">
+        <p14:creationId xmlns:p14="http://schemas.microsoft.com/office/powerpoint/2010/main" val="1536772230"/>
+      </p:ext>
+    </p:extLst>
+  </p:cSld>
+  <p:clrMapOvr>
+    <a:masterClrMapping/>
+  </p:clrMapOvr>
+</p:sld>
+</file>
+
 <file path=ppt/theme/theme1.xml><?xml version="1.0" encoding="utf-8"?>
 <a:theme xmlns:a="http://schemas.openxmlformats.org/drawingml/2006/main" name="소포">
   <a:themeElements>
